--- a/ppt 16-9/0463.基督徒你是否.pptx
+++ b/ppt 16-9/0463.基督徒你是否.pptx
@@ -129,7 +129,7 @@
           <p:cNvPr id="2" name="标题 1">
             <a:extLst>
               <a:ext uri="{FF2B5EF4-FFF2-40B4-BE49-F238E27FC236}">
-                <a16:creationId xmlns:a16="http://schemas.microsoft.com/office/drawing/2014/main" id="{DCA19A2B-F464-A405-5E11-ED1559413B98}"/>
+                <a16:creationId xmlns:a16="http://schemas.microsoft.com/office/drawing/2014/main" id="{0406AE90-FCA2-27B9-795E-200E49224CCA}"/>
               </a:ext>
             </a:extLst>
           </p:cNvPr>
@@ -166,7 +166,7 @@
           <p:cNvPr id="3" name="副标题 2">
             <a:extLst>
               <a:ext uri="{FF2B5EF4-FFF2-40B4-BE49-F238E27FC236}">
-                <a16:creationId xmlns:a16="http://schemas.microsoft.com/office/drawing/2014/main" id="{B76FB2F4-E760-7E76-C8FB-9020E19505C1}"/>
+                <a16:creationId xmlns:a16="http://schemas.microsoft.com/office/drawing/2014/main" id="{77258052-989F-C4A6-E02A-250281627F65}"/>
               </a:ext>
             </a:extLst>
           </p:cNvPr>
@@ -236,7 +236,7 @@
           <p:cNvPr id="4" name="日期占位符 3">
             <a:extLst>
               <a:ext uri="{FF2B5EF4-FFF2-40B4-BE49-F238E27FC236}">
-                <a16:creationId xmlns:a16="http://schemas.microsoft.com/office/drawing/2014/main" id="{3CBE59C9-14AA-5B14-6BBD-D204C924C351}"/>
+                <a16:creationId xmlns:a16="http://schemas.microsoft.com/office/drawing/2014/main" id="{5C7E21DE-ABA4-9261-C832-979E9B2EBBE4}"/>
               </a:ext>
             </a:extLst>
           </p:cNvPr>
@@ -252,7 +252,7 @@
           <a:bodyPr/>
           <a:lstStyle/>
           <a:p>
-            <a:fld id="{8BCEE071-6E02-4ECE-AEC9-E3B3FC6B0E7B}" type="datetimeFigureOut">
+            <a:fld id="{62F83B73-F15A-4E26-9FB4-A508554014F0}" type="datetimeFigureOut">
               <a:rPr lang="zh-CN" altLang="en-US" smtClean="0"/>
               <a:t>2024/3/10</a:t>
             </a:fld>
@@ -265,7 +265,7 @@
           <p:cNvPr id="5" name="页脚占位符 4">
             <a:extLst>
               <a:ext uri="{FF2B5EF4-FFF2-40B4-BE49-F238E27FC236}">
-                <a16:creationId xmlns:a16="http://schemas.microsoft.com/office/drawing/2014/main" id="{0F2F223E-077A-93EF-ED16-62DE01178B40}"/>
+                <a16:creationId xmlns:a16="http://schemas.microsoft.com/office/drawing/2014/main" id="{56CAD2B9-8945-10E6-6586-B71D222B4E88}"/>
               </a:ext>
             </a:extLst>
           </p:cNvPr>
@@ -290,7 +290,7 @@
           <p:cNvPr id="6" name="灯片编号占位符 5">
             <a:extLst>
               <a:ext uri="{FF2B5EF4-FFF2-40B4-BE49-F238E27FC236}">
-                <a16:creationId xmlns:a16="http://schemas.microsoft.com/office/drawing/2014/main" id="{4008E2EB-A7C3-8C12-4BE5-00F7835EA37F}"/>
+                <a16:creationId xmlns:a16="http://schemas.microsoft.com/office/drawing/2014/main" id="{2AA3D6B9-C139-6898-8A91-B5F17C80B0D8}"/>
               </a:ext>
             </a:extLst>
           </p:cNvPr>
@@ -306,7 +306,7 @@
           <a:bodyPr/>
           <a:lstStyle/>
           <a:p>
-            <a:fld id="{C49BFF03-9521-461A-952A-77BE69ACB046}" type="slidenum">
+            <a:fld id="{B1FC6178-123C-44BB-BF4E-6F6E8E20D895}" type="slidenum">
               <a:rPr lang="zh-CN" altLang="en-US" smtClean="0"/>
               <a:t>‹#›</a:t>
             </a:fld>
@@ -317,7 +317,7 @@
     </p:spTree>
     <p:extLst>
       <p:ext uri="{BB962C8B-B14F-4D97-AF65-F5344CB8AC3E}">
-        <p14:creationId xmlns:p14="http://schemas.microsoft.com/office/powerpoint/2010/main" val="3677309280"/>
+        <p14:creationId xmlns:p14="http://schemas.microsoft.com/office/powerpoint/2010/main" val="3377288294"/>
       </p:ext>
     </p:extLst>
   </p:cSld>
@@ -349,7 +349,7 @@
           <p:cNvPr id="2" name="标题 1">
             <a:extLst>
               <a:ext uri="{FF2B5EF4-FFF2-40B4-BE49-F238E27FC236}">
-                <a16:creationId xmlns:a16="http://schemas.microsoft.com/office/drawing/2014/main" id="{959470DA-B21F-4DFB-BD51-5AD423CEF911}"/>
+                <a16:creationId xmlns:a16="http://schemas.microsoft.com/office/drawing/2014/main" id="{F71A2186-B98B-5996-F8C5-B10BD7D7D5EA}"/>
               </a:ext>
             </a:extLst>
           </p:cNvPr>
@@ -377,7 +377,7 @@
           <p:cNvPr id="3" name="竖排文字占位符 2">
             <a:extLst>
               <a:ext uri="{FF2B5EF4-FFF2-40B4-BE49-F238E27FC236}">
-                <a16:creationId xmlns:a16="http://schemas.microsoft.com/office/drawing/2014/main" id="{65AB5CB7-305F-158A-BBCC-441E02A53B99}"/>
+                <a16:creationId xmlns:a16="http://schemas.microsoft.com/office/drawing/2014/main" id="{E186B5BB-747B-1ED3-A2CE-D0FDC192A0CB}"/>
               </a:ext>
             </a:extLst>
           </p:cNvPr>
@@ -434,7 +434,7 @@
           <p:cNvPr id="4" name="日期占位符 3">
             <a:extLst>
               <a:ext uri="{FF2B5EF4-FFF2-40B4-BE49-F238E27FC236}">
-                <a16:creationId xmlns:a16="http://schemas.microsoft.com/office/drawing/2014/main" id="{7F2D2EE7-03C9-198A-B8E1-B101AFBA5C78}"/>
+                <a16:creationId xmlns:a16="http://schemas.microsoft.com/office/drawing/2014/main" id="{002FB305-A889-D922-B9C5-3DA1BFE21930}"/>
               </a:ext>
             </a:extLst>
           </p:cNvPr>
@@ -450,7 +450,7 @@
           <a:bodyPr/>
           <a:lstStyle/>
           <a:p>
-            <a:fld id="{8BCEE071-6E02-4ECE-AEC9-E3B3FC6B0E7B}" type="datetimeFigureOut">
+            <a:fld id="{62F83B73-F15A-4E26-9FB4-A508554014F0}" type="datetimeFigureOut">
               <a:rPr lang="zh-CN" altLang="en-US" smtClean="0"/>
               <a:t>2024/3/10</a:t>
             </a:fld>
@@ -463,7 +463,7 @@
           <p:cNvPr id="5" name="页脚占位符 4">
             <a:extLst>
               <a:ext uri="{FF2B5EF4-FFF2-40B4-BE49-F238E27FC236}">
-                <a16:creationId xmlns:a16="http://schemas.microsoft.com/office/drawing/2014/main" id="{E06325FB-F686-A492-6F34-4FF4FD12CE53}"/>
+                <a16:creationId xmlns:a16="http://schemas.microsoft.com/office/drawing/2014/main" id="{F3A9BE4E-C5BD-B2FF-687D-923F1CA138AE}"/>
               </a:ext>
             </a:extLst>
           </p:cNvPr>
@@ -488,7 +488,7 @@
           <p:cNvPr id="6" name="灯片编号占位符 5">
             <a:extLst>
               <a:ext uri="{FF2B5EF4-FFF2-40B4-BE49-F238E27FC236}">
-                <a16:creationId xmlns:a16="http://schemas.microsoft.com/office/drawing/2014/main" id="{842072E9-4345-1121-D944-5848F6A349AB}"/>
+                <a16:creationId xmlns:a16="http://schemas.microsoft.com/office/drawing/2014/main" id="{72AF64FC-93DB-02D3-43E9-D3343F152274}"/>
               </a:ext>
             </a:extLst>
           </p:cNvPr>
@@ -504,7 +504,7 @@
           <a:bodyPr/>
           <a:lstStyle/>
           <a:p>
-            <a:fld id="{C49BFF03-9521-461A-952A-77BE69ACB046}" type="slidenum">
+            <a:fld id="{B1FC6178-123C-44BB-BF4E-6F6E8E20D895}" type="slidenum">
               <a:rPr lang="zh-CN" altLang="en-US" smtClean="0"/>
               <a:t>‹#›</a:t>
             </a:fld>
@@ -515,7 +515,7 @@
     </p:spTree>
     <p:extLst>
       <p:ext uri="{BB962C8B-B14F-4D97-AF65-F5344CB8AC3E}">
-        <p14:creationId xmlns:p14="http://schemas.microsoft.com/office/powerpoint/2010/main" val="2793859019"/>
+        <p14:creationId xmlns:p14="http://schemas.microsoft.com/office/powerpoint/2010/main" val="1165264984"/>
       </p:ext>
     </p:extLst>
   </p:cSld>
@@ -547,7 +547,7 @@
           <p:cNvPr id="2" name="竖排标题 1">
             <a:extLst>
               <a:ext uri="{FF2B5EF4-FFF2-40B4-BE49-F238E27FC236}">
-                <a16:creationId xmlns:a16="http://schemas.microsoft.com/office/drawing/2014/main" id="{9FED7AD4-BB9C-C51D-988C-C024FF9E45BC}"/>
+                <a16:creationId xmlns:a16="http://schemas.microsoft.com/office/drawing/2014/main" id="{6D7179BE-59FE-9A6C-FB1C-817485508F2F}"/>
               </a:ext>
             </a:extLst>
           </p:cNvPr>
@@ -580,7 +580,7 @@
           <p:cNvPr id="3" name="竖排文字占位符 2">
             <a:extLst>
               <a:ext uri="{FF2B5EF4-FFF2-40B4-BE49-F238E27FC236}">
-                <a16:creationId xmlns:a16="http://schemas.microsoft.com/office/drawing/2014/main" id="{AD50C62C-5C54-7537-32FB-A3B2D57C6C57}"/>
+                <a16:creationId xmlns:a16="http://schemas.microsoft.com/office/drawing/2014/main" id="{9DC0F321-109D-C214-3508-4DE1DF882FEA}"/>
               </a:ext>
             </a:extLst>
           </p:cNvPr>
@@ -642,7 +642,7 @@
           <p:cNvPr id="4" name="日期占位符 3">
             <a:extLst>
               <a:ext uri="{FF2B5EF4-FFF2-40B4-BE49-F238E27FC236}">
-                <a16:creationId xmlns:a16="http://schemas.microsoft.com/office/drawing/2014/main" id="{EAB336A9-B328-F418-1FDD-891A7B3DE8E4}"/>
+                <a16:creationId xmlns:a16="http://schemas.microsoft.com/office/drawing/2014/main" id="{DB819F8D-4CD7-2425-A312-15D72F3F6B0D}"/>
               </a:ext>
             </a:extLst>
           </p:cNvPr>
@@ -658,7 +658,7 @@
           <a:bodyPr/>
           <a:lstStyle/>
           <a:p>
-            <a:fld id="{8BCEE071-6E02-4ECE-AEC9-E3B3FC6B0E7B}" type="datetimeFigureOut">
+            <a:fld id="{62F83B73-F15A-4E26-9FB4-A508554014F0}" type="datetimeFigureOut">
               <a:rPr lang="zh-CN" altLang="en-US" smtClean="0"/>
               <a:t>2024/3/10</a:t>
             </a:fld>
@@ -671,7 +671,7 @@
           <p:cNvPr id="5" name="页脚占位符 4">
             <a:extLst>
               <a:ext uri="{FF2B5EF4-FFF2-40B4-BE49-F238E27FC236}">
-                <a16:creationId xmlns:a16="http://schemas.microsoft.com/office/drawing/2014/main" id="{EAB63B57-C8DB-99B2-F9AD-A01EB470C1FC}"/>
+                <a16:creationId xmlns:a16="http://schemas.microsoft.com/office/drawing/2014/main" id="{3613A5DE-19BC-DC77-BA9F-C51F6AD1F405}"/>
               </a:ext>
             </a:extLst>
           </p:cNvPr>
@@ -696,7 +696,7 @@
           <p:cNvPr id="6" name="灯片编号占位符 5">
             <a:extLst>
               <a:ext uri="{FF2B5EF4-FFF2-40B4-BE49-F238E27FC236}">
-                <a16:creationId xmlns:a16="http://schemas.microsoft.com/office/drawing/2014/main" id="{0E057312-30E6-430B-DC85-C834C646E111}"/>
+                <a16:creationId xmlns:a16="http://schemas.microsoft.com/office/drawing/2014/main" id="{D96600A3-71C1-8E82-B5C7-9D330C18FFF4}"/>
               </a:ext>
             </a:extLst>
           </p:cNvPr>
@@ -712,7 +712,7 @@
           <a:bodyPr/>
           <a:lstStyle/>
           <a:p>
-            <a:fld id="{C49BFF03-9521-461A-952A-77BE69ACB046}" type="slidenum">
+            <a:fld id="{B1FC6178-123C-44BB-BF4E-6F6E8E20D895}" type="slidenum">
               <a:rPr lang="zh-CN" altLang="en-US" smtClean="0"/>
               <a:t>‹#›</a:t>
             </a:fld>
@@ -723,7 +723,7 @@
     </p:spTree>
     <p:extLst>
       <p:ext uri="{BB962C8B-B14F-4D97-AF65-F5344CB8AC3E}">
-        <p14:creationId xmlns:p14="http://schemas.microsoft.com/office/powerpoint/2010/main" val="679835756"/>
+        <p14:creationId xmlns:p14="http://schemas.microsoft.com/office/powerpoint/2010/main" val="2617456519"/>
       </p:ext>
     </p:extLst>
   </p:cSld>
@@ -755,7 +755,7 @@
           <p:cNvPr id="2" name="标题 1">
             <a:extLst>
               <a:ext uri="{FF2B5EF4-FFF2-40B4-BE49-F238E27FC236}">
-                <a16:creationId xmlns:a16="http://schemas.microsoft.com/office/drawing/2014/main" id="{3F523F8C-8F9A-3724-43D8-93C2D9CFCE20}"/>
+                <a16:creationId xmlns:a16="http://schemas.microsoft.com/office/drawing/2014/main" id="{56F4136A-128C-BC23-905C-455C5C7C5A40}"/>
               </a:ext>
             </a:extLst>
           </p:cNvPr>
@@ -783,7 +783,7 @@
           <p:cNvPr id="3" name="内容占位符 2">
             <a:extLst>
               <a:ext uri="{FF2B5EF4-FFF2-40B4-BE49-F238E27FC236}">
-                <a16:creationId xmlns:a16="http://schemas.microsoft.com/office/drawing/2014/main" id="{E6CF9428-3C6E-474A-D4AC-EEB95EFE9178}"/>
+                <a16:creationId xmlns:a16="http://schemas.microsoft.com/office/drawing/2014/main" id="{576D4CB0-98C8-F27E-EFD1-20241EC757C8}"/>
               </a:ext>
             </a:extLst>
           </p:cNvPr>
@@ -840,7 +840,7 @@
           <p:cNvPr id="4" name="日期占位符 3">
             <a:extLst>
               <a:ext uri="{FF2B5EF4-FFF2-40B4-BE49-F238E27FC236}">
-                <a16:creationId xmlns:a16="http://schemas.microsoft.com/office/drawing/2014/main" id="{5A0F2A8B-ABB3-BAB2-1032-17F6E49CE7C6}"/>
+                <a16:creationId xmlns:a16="http://schemas.microsoft.com/office/drawing/2014/main" id="{0A8A224E-1E25-0ABD-9FFA-D2BEAF46E7EF}"/>
               </a:ext>
             </a:extLst>
           </p:cNvPr>
@@ -856,7 +856,7 @@
           <a:bodyPr/>
           <a:lstStyle/>
           <a:p>
-            <a:fld id="{8BCEE071-6E02-4ECE-AEC9-E3B3FC6B0E7B}" type="datetimeFigureOut">
+            <a:fld id="{62F83B73-F15A-4E26-9FB4-A508554014F0}" type="datetimeFigureOut">
               <a:rPr lang="zh-CN" altLang="en-US" smtClean="0"/>
               <a:t>2024/3/10</a:t>
             </a:fld>
@@ -869,7 +869,7 @@
           <p:cNvPr id="5" name="页脚占位符 4">
             <a:extLst>
               <a:ext uri="{FF2B5EF4-FFF2-40B4-BE49-F238E27FC236}">
-                <a16:creationId xmlns:a16="http://schemas.microsoft.com/office/drawing/2014/main" id="{37955E07-2B10-7E9D-2D29-A74FF34BD1EC}"/>
+                <a16:creationId xmlns:a16="http://schemas.microsoft.com/office/drawing/2014/main" id="{DBD571D6-F80E-7DC8-77B6-994076610A75}"/>
               </a:ext>
             </a:extLst>
           </p:cNvPr>
@@ -894,7 +894,7 @@
           <p:cNvPr id="6" name="灯片编号占位符 5">
             <a:extLst>
               <a:ext uri="{FF2B5EF4-FFF2-40B4-BE49-F238E27FC236}">
-                <a16:creationId xmlns:a16="http://schemas.microsoft.com/office/drawing/2014/main" id="{BB981B76-E85F-69D4-4671-A44132CFE088}"/>
+                <a16:creationId xmlns:a16="http://schemas.microsoft.com/office/drawing/2014/main" id="{69635886-B162-45BB-1C47-8E86F29807F0}"/>
               </a:ext>
             </a:extLst>
           </p:cNvPr>
@@ -910,7 +910,7 @@
           <a:bodyPr/>
           <a:lstStyle/>
           <a:p>
-            <a:fld id="{C49BFF03-9521-461A-952A-77BE69ACB046}" type="slidenum">
+            <a:fld id="{B1FC6178-123C-44BB-BF4E-6F6E8E20D895}" type="slidenum">
               <a:rPr lang="zh-CN" altLang="en-US" smtClean="0"/>
               <a:t>‹#›</a:t>
             </a:fld>
@@ -921,7 +921,7 @@
     </p:spTree>
     <p:extLst>
       <p:ext uri="{BB962C8B-B14F-4D97-AF65-F5344CB8AC3E}">
-        <p14:creationId xmlns:p14="http://schemas.microsoft.com/office/powerpoint/2010/main" val="1082756215"/>
+        <p14:creationId xmlns:p14="http://schemas.microsoft.com/office/powerpoint/2010/main" val="3538375690"/>
       </p:ext>
     </p:extLst>
   </p:cSld>
@@ -953,7 +953,7 @@
           <p:cNvPr id="2" name="标题 1">
             <a:extLst>
               <a:ext uri="{FF2B5EF4-FFF2-40B4-BE49-F238E27FC236}">
-                <a16:creationId xmlns:a16="http://schemas.microsoft.com/office/drawing/2014/main" id="{0BE2310F-2C7F-B80E-ADFB-1A0D81E01559}"/>
+                <a16:creationId xmlns:a16="http://schemas.microsoft.com/office/drawing/2014/main" id="{963E8ABF-0F17-04AE-C53D-839C009CD8BA}"/>
               </a:ext>
             </a:extLst>
           </p:cNvPr>
@@ -990,7 +990,7 @@
           <p:cNvPr id="3" name="文本占位符 2">
             <a:extLst>
               <a:ext uri="{FF2B5EF4-FFF2-40B4-BE49-F238E27FC236}">
-                <a16:creationId xmlns:a16="http://schemas.microsoft.com/office/drawing/2014/main" id="{4F140695-C4B1-FC32-98B4-504824D6EADA}"/>
+                <a16:creationId xmlns:a16="http://schemas.microsoft.com/office/drawing/2014/main" id="{1CCE1E17-B505-88B9-9064-2151F68555A8}"/>
               </a:ext>
             </a:extLst>
           </p:cNvPr>
@@ -1115,7 +1115,7 @@
           <p:cNvPr id="4" name="日期占位符 3">
             <a:extLst>
               <a:ext uri="{FF2B5EF4-FFF2-40B4-BE49-F238E27FC236}">
-                <a16:creationId xmlns:a16="http://schemas.microsoft.com/office/drawing/2014/main" id="{B1B70329-6D0E-C33E-3A05-07A251B65A84}"/>
+                <a16:creationId xmlns:a16="http://schemas.microsoft.com/office/drawing/2014/main" id="{861DB820-C4CC-84EF-0D55-BC5312E8D621}"/>
               </a:ext>
             </a:extLst>
           </p:cNvPr>
@@ -1131,7 +1131,7 @@
           <a:bodyPr/>
           <a:lstStyle/>
           <a:p>
-            <a:fld id="{8BCEE071-6E02-4ECE-AEC9-E3B3FC6B0E7B}" type="datetimeFigureOut">
+            <a:fld id="{62F83B73-F15A-4E26-9FB4-A508554014F0}" type="datetimeFigureOut">
               <a:rPr lang="zh-CN" altLang="en-US" smtClean="0"/>
               <a:t>2024/3/10</a:t>
             </a:fld>
@@ -1144,7 +1144,7 @@
           <p:cNvPr id="5" name="页脚占位符 4">
             <a:extLst>
               <a:ext uri="{FF2B5EF4-FFF2-40B4-BE49-F238E27FC236}">
-                <a16:creationId xmlns:a16="http://schemas.microsoft.com/office/drawing/2014/main" id="{FBED4592-0CFE-483F-9C16-ADC93FB28B10}"/>
+                <a16:creationId xmlns:a16="http://schemas.microsoft.com/office/drawing/2014/main" id="{7C1CB7B1-63D3-3DDB-7637-8AC910367849}"/>
               </a:ext>
             </a:extLst>
           </p:cNvPr>
@@ -1169,7 +1169,7 @@
           <p:cNvPr id="6" name="灯片编号占位符 5">
             <a:extLst>
               <a:ext uri="{FF2B5EF4-FFF2-40B4-BE49-F238E27FC236}">
-                <a16:creationId xmlns:a16="http://schemas.microsoft.com/office/drawing/2014/main" id="{8259C026-EF41-911F-06EF-5334E86139EA}"/>
+                <a16:creationId xmlns:a16="http://schemas.microsoft.com/office/drawing/2014/main" id="{29F0C8A9-C98D-6752-6F6A-4086C4FBB72E}"/>
               </a:ext>
             </a:extLst>
           </p:cNvPr>
@@ -1185,7 +1185,7 @@
           <a:bodyPr/>
           <a:lstStyle/>
           <a:p>
-            <a:fld id="{C49BFF03-9521-461A-952A-77BE69ACB046}" type="slidenum">
+            <a:fld id="{B1FC6178-123C-44BB-BF4E-6F6E8E20D895}" type="slidenum">
               <a:rPr lang="zh-CN" altLang="en-US" smtClean="0"/>
               <a:t>‹#›</a:t>
             </a:fld>
@@ -1196,7 +1196,7 @@
     </p:spTree>
     <p:extLst>
       <p:ext uri="{BB962C8B-B14F-4D97-AF65-F5344CB8AC3E}">
-        <p14:creationId xmlns:p14="http://schemas.microsoft.com/office/powerpoint/2010/main" val="3727289373"/>
+        <p14:creationId xmlns:p14="http://schemas.microsoft.com/office/powerpoint/2010/main" val="1597391372"/>
       </p:ext>
     </p:extLst>
   </p:cSld>
@@ -1228,7 +1228,7 @@
           <p:cNvPr id="2" name="标题 1">
             <a:extLst>
               <a:ext uri="{FF2B5EF4-FFF2-40B4-BE49-F238E27FC236}">
-                <a16:creationId xmlns:a16="http://schemas.microsoft.com/office/drawing/2014/main" id="{248956DB-A8CA-A331-285E-C782AB70A8BD}"/>
+                <a16:creationId xmlns:a16="http://schemas.microsoft.com/office/drawing/2014/main" id="{946F6391-3EF0-1FEC-40D7-59F232ACFA99}"/>
               </a:ext>
             </a:extLst>
           </p:cNvPr>
@@ -1256,7 +1256,7 @@
           <p:cNvPr id="3" name="内容占位符 2">
             <a:extLst>
               <a:ext uri="{FF2B5EF4-FFF2-40B4-BE49-F238E27FC236}">
-                <a16:creationId xmlns:a16="http://schemas.microsoft.com/office/drawing/2014/main" id="{34D65E86-F05D-D817-F1F1-908C3832FE6C}"/>
+                <a16:creationId xmlns:a16="http://schemas.microsoft.com/office/drawing/2014/main" id="{F7895E2B-ABA9-AB35-25C0-AC634C956E65}"/>
               </a:ext>
             </a:extLst>
           </p:cNvPr>
@@ -1318,7 +1318,7 @@
           <p:cNvPr id="4" name="内容占位符 3">
             <a:extLst>
               <a:ext uri="{FF2B5EF4-FFF2-40B4-BE49-F238E27FC236}">
-                <a16:creationId xmlns:a16="http://schemas.microsoft.com/office/drawing/2014/main" id="{7C73592B-F593-39D4-005D-6A266BF35E58}"/>
+                <a16:creationId xmlns:a16="http://schemas.microsoft.com/office/drawing/2014/main" id="{E2B76839-FBCA-3735-A181-5281538B33B6}"/>
               </a:ext>
             </a:extLst>
           </p:cNvPr>
@@ -1380,7 +1380,7 @@
           <p:cNvPr id="5" name="日期占位符 4">
             <a:extLst>
               <a:ext uri="{FF2B5EF4-FFF2-40B4-BE49-F238E27FC236}">
-                <a16:creationId xmlns:a16="http://schemas.microsoft.com/office/drawing/2014/main" id="{87B067A4-E903-B3C3-737F-83D9CA8C1B2A}"/>
+                <a16:creationId xmlns:a16="http://schemas.microsoft.com/office/drawing/2014/main" id="{C12AC2E8-6D0F-4F67-968E-DAA403DFFD2D}"/>
               </a:ext>
             </a:extLst>
           </p:cNvPr>
@@ -1396,7 +1396,7 @@
           <a:bodyPr/>
           <a:lstStyle/>
           <a:p>
-            <a:fld id="{8BCEE071-6E02-4ECE-AEC9-E3B3FC6B0E7B}" type="datetimeFigureOut">
+            <a:fld id="{62F83B73-F15A-4E26-9FB4-A508554014F0}" type="datetimeFigureOut">
               <a:rPr lang="zh-CN" altLang="en-US" smtClean="0"/>
               <a:t>2024/3/10</a:t>
             </a:fld>
@@ -1409,7 +1409,7 @@
           <p:cNvPr id="6" name="页脚占位符 5">
             <a:extLst>
               <a:ext uri="{FF2B5EF4-FFF2-40B4-BE49-F238E27FC236}">
-                <a16:creationId xmlns:a16="http://schemas.microsoft.com/office/drawing/2014/main" id="{8A4ACDCE-6D61-F1E4-BD5F-9437F16D90C3}"/>
+                <a16:creationId xmlns:a16="http://schemas.microsoft.com/office/drawing/2014/main" id="{E3E6ADAB-E0A3-44D0-97E3-8BB33C7EF22A}"/>
               </a:ext>
             </a:extLst>
           </p:cNvPr>
@@ -1434,7 +1434,7 @@
           <p:cNvPr id="7" name="灯片编号占位符 6">
             <a:extLst>
               <a:ext uri="{FF2B5EF4-FFF2-40B4-BE49-F238E27FC236}">
-                <a16:creationId xmlns:a16="http://schemas.microsoft.com/office/drawing/2014/main" id="{34FF410A-5183-EA62-4119-A6AC0B92B987}"/>
+                <a16:creationId xmlns:a16="http://schemas.microsoft.com/office/drawing/2014/main" id="{0ED284C0-01AB-7533-FC0E-C1D6ED8E9BB3}"/>
               </a:ext>
             </a:extLst>
           </p:cNvPr>
@@ -1450,7 +1450,7 @@
           <a:bodyPr/>
           <a:lstStyle/>
           <a:p>
-            <a:fld id="{C49BFF03-9521-461A-952A-77BE69ACB046}" type="slidenum">
+            <a:fld id="{B1FC6178-123C-44BB-BF4E-6F6E8E20D895}" type="slidenum">
               <a:rPr lang="zh-CN" altLang="en-US" smtClean="0"/>
               <a:t>‹#›</a:t>
             </a:fld>
@@ -1461,7 +1461,7 @@
     </p:spTree>
     <p:extLst>
       <p:ext uri="{BB962C8B-B14F-4D97-AF65-F5344CB8AC3E}">
-        <p14:creationId xmlns:p14="http://schemas.microsoft.com/office/powerpoint/2010/main" val="856045048"/>
+        <p14:creationId xmlns:p14="http://schemas.microsoft.com/office/powerpoint/2010/main" val="1267340597"/>
       </p:ext>
     </p:extLst>
   </p:cSld>
@@ -1493,7 +1493,7 @@
           <p:cNvPr id="2" name="标题 1">
             <a:extLst>
               <a:ext uri="{FF2B5EF4-FFF2-40B4-BE49-F238E27FC236}">
-                <a16:creationId xmlns:a16="http://schemas.microsoft.com/office/drawing/2014/main" id="{AA997C82-0F73-F703-F663-C17F32EBAE7D}"/>
+                <a16:creationId xmlns:a16="http://schemas.microsoft.com/office/drawing/2014/main" id="{B7FE388A-4C05-D528-486C-CDDA2F32A21A}"/>
               </a:ext>
             </a:extLst>
           </p:cNvPr>
@@ -1526,7 +1526,7 @@
           <p:cNvPr id="3" name="文本占位符 2">
             <a:extLst>
               <a:ext uri="{FF2B5EF4-FFF2-40B4-BE49-F238E27FC236}">
-                <a16:creationId xmlns:a16="http://schemas.microsoft.com/office/drawing/2014/main" id="{6C2F2D99-604A-EE0E-EC88-D5D8ACF0A337}"/>
+                <a16:creationId xmlns:a16="http://schemas.microsoft.com/office/drawing/2014/main" id="{7887D8D0-DF36-D9C0-37AE-AEF8C92D832E}"/>
               </a:ext>
             </a:extLst>
           </p:cNvPr>
@@ -1597,7 +1597,7 @@
           <p:cNvPr id="4" name="内容占位符 3">
             <a:extLst>
               <a:ext uri="{FF2B5EF4-FFF2-40B4-BE49-F238E27FC236}">
-                <a16:creationId xmlns:a16="http://schemas.microsoft.com/office/drawing/2014/main" id="{8CF0F1DF-D91B-3B85-3045-09840E1724EB}"/>
+                <a16:creationId xmlns:a16="http://schemas.microsoft.com/office/drawing/2014/main" id="{8BCA621A-7CCE-6F09-ADFC-895105A28C6C}"/>
               </a:ext>
             </a:extLst>
           </p:cNvPr>
@@ -1659,7 +1659,7 @@
           <p:cNvPr id="5" name="文本占位符 4">
             <a:extLst>
               <a:ext uri="{FF2B5EF4-FFF2-40B4-BE49-F238E27FC236}">
-                <a16:creationId xmlns:a16="http://schemas.microsoft.com/office/drawing/2014/main" id="{8D65175B-2386-A66A-E530-DA8FA63353A4}"/>
+                <a16:creationId xmlns:a16="http://schemas.microsoft.com/office/drawing/2014/main" id="{6FC1F6BE-53F2-EFD5-C24A-09AEC68BACBA}"/>
               </a:ext>
             </a:extLst>
           </p:cNvPr>
@@ -1730,7 +1730,7 @@
           <p:cNvPr id="6" name="内容占位符 5">
             <a:extLst>
               <a:ext uri="{FF2B5EF4-FFF2-40B4-BE49-F238E27FC236}">
-                <a16:creationId xmlns:a16="http://schemas.microsoft.com/office/drawing/2014/main" id="{74021761-FE85-5857-1D3B-6BD046674B04}"/>
+                <a16:creationId xmlns:a16="http://schemas.microsoft.com/office/drawing/2014/main" id="{394216C5-3306-97C7-1C3C-4100BD9B216B}"/>
               </a:ext>
             </a:extLst>
           </p:cNvPr>
@@ -1792,7 +1792,7 @@
           <p:cNvPr id="7" name="日期占位符 6">
             <a:extLst>
               <a:ext uri="{FF2B5EF4-FFF2-40B4-BE49-F238E27FC236}">
-                <a16:creationId xmlns:a16="http://schemas.microsoft.com/office/drawing/2014/main" id="{1F2CCB95-8C51-FB9F-D9F7-10E8F30D386A}"/>
+                <a16:creationId xmlns:a16="http://schemas.microsoft.com/office/drawing/2014/main" id="{EC2BA55F-237D-A212-EA9F-D25F6F95BCAB}"/>
               </a:ext>
             </a:extLst>
           </p:cNvPr>
@@ -1808,7 +1808,7 @@
           <a:bodyPr/>
           <a:lstStyle/>
           <a:p>
-            <a:fld id="{8BCEE071-6E02-4ECE-AEC9-E3B3FC6B0E7B}" type="datetimeFigureOut">
+            <a:fld id="{62F83B73-F15A-4E26-9FB4-A508554014F0}" type="datetimeFigureOut">
               <a:rPr lang="zh-CN" altLang="en-US" smtClean="0"/>
               <a:t>2024/3/10</a:t>
             </a:fld>
@@ -1821,7 +1821,7 @@
           <p:cNvPr id="8" name="页脚占位符 7">
             <a:extLst>
               <a:ext uri="{FF2B5EF4-FFF2-40B4-BE49-F238E27FC236}">
-                <a16:creationId xmlns:a16="http://schemas.microsoft.com/office/drawing/2014/main" id="{EC20ED03-0B38-09F8-4568-93102EC23706}"/>
+                <a16:creationId xmlns:a16="http://schemas.microsoft.com/office/drawing/2014/main" id="{F731C9DD-BA22-C17E-CA84-81EDEED72C50}"/>
               </a:ext>
             </a:extLst>
           </p:cNvPr>
@@ -1846,7 +1846,7 @@
           <p:cNvPr id="9" name="灯片编号占位符 8">
             <a:extLst>
               <a:ext uri="{FF2B5EF4-FFF2-40B4-BE49-F238E27FC236}">
-                <a16:creationId xmlns:a16="http://schemas.microsoft.com/office/drawing/2014/main" id="{35DCB666-13C4-A1F0-42F9-55000B575FEF}"/>
+                <a16:creationId xmlns:a16="http://schemas.microsoft.com/office/drawing/2014/main" id="{A9E03D65-7676-0BF0-FD87-7695807D2EC8}"/>
               </a:ext>
             </a:extLst>
           </p:cNvPr>
@@ -1862,7 +1862,7 @@
           <a:bodyPr/>
           <a:lstStyle/>
           <a:p>
-            <a:fld id="{C49BFF03-9521-461A-952A-77BE69ACB046}" type="slidenum">
+            <a:fld id="{B1FC6178-123C-44BB-BF4E-6F6E8E20D895}" type="slidenum">
               <a:rPr lang="zh-CN" altLang="en-US" smtClean="0"/>
               <a:t>‹#›</a:t>
             </a:fld>
@@ -1873,7 +1873,7 @@
     </p:spTree>
     <p:extLst>
       <p:ext uri="{BB962C8B-B14F-4D97-AF65-F5344CB8AC3E}">
-        <p14:creationId xmlns:p14="http://schemas.microsoft.com/office/powerpoint/2010/main" val="156017710"/>
+        <p14:creationId xmlns:p14="http://schemas.microsoft.com/office/powerpoint/2010/main" val="4063509659"/>
       </p:ext>
     </p:extLst>
   </p:cSld>
@@ -1905,7 +1905,7 @@
           <p:cNvPr id="2" name="标题 1">
             <a:extLst>
               <a:ext uri="{FF2B5EF4-FFF2-40B4-BE49-F238E27FC236}">
-                <a16:creationId xmlns:a16="http://schemas.microsoft.com/office/drawing/2014/main" id="{7462F1C2-5D27-AA9A-FB68-E4A46BB114C0}"/>
+                <a16:creationId xmlns:a16="http://schemas.microsoft.com/office/drawing/2014/main" id="{3EF1F51C-0CFE-2A83-7495-DFEC133FB34B}"/>
               </a:ext>
             </a:extLst>
           </p:cNvPr>
@@ -1933,7 +1933,7 @@
           <p:cNvPr id="3" name="日期占位符 2">
             <a:extLst>
               <a:ext uri="{FF2B5EF4-FFF2-40B4-BE49-F238E27FC236}">
-                <a16:creationId xmlns:a16="http://schemas.microsoft.com/office/drawing/2014/main" id="{93F40EEF-58AC-820D-A215-FF2CA29DD355}"/>
+                <a16:creationId xmlns:a16="http://schemas.microsoft.com/office/drawing/2014/main" id="{9E54C031-3E70-9EC6-8BFD-8EC01CB2C862}"/>
               </a:ext>
             </a:extLst>
           </p:cNvPr>
@@ -1949,7 +1949,7 @@
           <a:bodyPr/>
           <a:lstStyle/>
           <a:p>
-            <a:fld id="{8BCEE071-6E02-4ECE-AEC9-E3B3FC6B0E7B}" type="datetimeFigureOut">
+            <a:fld id="{62F83B73-F15A-4E26-9FB4-A508554014F0}" type="datetimeFigureOut">
               <a:rPr lang="zh-CN" altLang="en-US" smtClean="0"/>
               <a:t>2024/3/10</a:t>
             </a:fld>
@@ -1962,7 +1962,7 @@
           <p:cNvPr id="4" name="页脚占位符 3">
             <a:extLst>
               <a:ext uri="{FF2B5EF4-FFF2-40B4-BE49-F238E27FC236}">
-                <a16:creationId xmlns:a16="http://schemas.microsoft.com/office/drawing/2014/main" id="{ED3A05AF-380E-39DC-8928-E421892058B1}"/>
+                <a16:creationId xmlns:a16="http://schemas.microsoft.com/office/drawing/2014/main" id="{0AF660A3-8292-60D9-E437-CBE1A17857A8}"/>
               </a:ext>
             </a:extLst>
           </p:cNvPr>
@@ -1987,7 +1987,7 @@
           <p:cNvPr id="5" name="灯片编号占位符 4">
             <a:extLst>
               <a:ext uri="{FF2B5EF4-FFF2-40B4-BE49-F238E27FC236}">
-                <a16:creationId xmlns:a16="http://schemas.microsoft.com/office/drawing/2014/main" id="{EE637C49-875D-36F6-A8C3-62B31393C12F}"/>
+                <a16:creationId xmlns:a16="http://schemas.microsoft.com/office/drawing/2014/main" id="{C9DE447B-EDB6-26A8-D176-DC30CD7DF981}"/>
               </a:ext>
             </a:extLst>
           </p:cNvPr>
@@ -2003,7 +2003,7 @@
           <a:bodyPr/>
           <a:lstStyle/>
           <a:p>
-            <a:fld id="{C49BFF03-9521-461A-952A-77BE69ACB046}" type="slidenum">
+            <a:fld id="{B1FC6178-123C-44BB-BF4E-6F6E8E20D895}" type="slidenum">
               <a:rPr lang="zh-CN" altLang="en-US" smtClean="0"/>
               <a:t>‹#›</a:t>
             </a:fld>
@@ -2014,7 +2014,7 @@
     </p:spTree>
     <p:extLst>
       <p:ext uri="{BB962C8B-B14F-4D97-AF65-F5344CB8AC3E}">
-        <p14:creationId xmlns:p14="http://schemas.microsoft.com/office/powerpoint/2010/main" val="187388381"/>
+        <p14:creationId xmlns:p14="http://schemas.microsoft.com/office/powerpoint/2010/main" val="394381882"/>
       </p:ext>
     </p:extLst>
   </p:cSld>
@@ -2046,7 +2046,7 @@
           <p:cNvPr id="2" name="日期占位符 1">
             <a:extLst>
               <a:ext uri="{FF2B5EF4-FFF2-40B4-BE49-F238E27FC236}">
-                <a16:creationId xmlns:a16="http://schemas.microsoft.com/office/drawing/2014/main" id="{D4CEC603-60B4-D2CC-7A52-AA3F850BD055}"/>
+                <a16:creationId xmlns:a16="http://schemas.microsoft.com/office/drawing/2014/main" id="{536016B1-365D-660E-1C69-E37226819159}"/>
               </a:ext>
             </a:extLst>
           </p:cNvPr>
@@ -2062,7 +2062,7 @@
           <a:bodyPr/>
           <a:lstStyle/>
           <a:p>
-            <a:fld id="{8BCEE071-6E02-4ECE-AEC9-E3B3FC6B0E7B}" type="datetimeFigureOut">
+            <a:fld id="{62F83B73-F15A-4E26-9FB4-A508554014F0}" type="datetimeFigureOut">
               <a:rPr lang="zh-CN" altLang="en-US" smtClean="0"/>
               <a:t>2024/3/10</a:t>
             </a:fld>
@@ -2075,7 +2075,7 @@
           <p:cNvPr id="3" name="页脚占位符 2">
             <a:extLst>
               <a:ext uri="{FF2B5EF4-FFF2-40B4-BE49-F238E27FC236}">
-                <a16:creationId xmlns:a16="http://schemas.microsoft.com/office/drawing/2014/main" id="{3FE9D675-D744-DDA0-3E41-D58B39776419}"/>
+                <a16:creationId xmlns:a16="http://schemas.microsoft.com/office/drawing/2014/main" id="{852BEBA9-69DB-8D12-0260-8690CFDE65F0}"/>
               </a:ext>
             </a:extLst>
           </p:cNvPr>
@@ -2100,7 +2100,7 @@
           <p:cNvPr id="4" name="灯片编号占位符 3">
             <a:extLst>
               <a:ext uri="{FF2B5EF4-FFF2-40B4-BE49-F238E27FC236}">
-                <a16:creationId xmlns:a16="http://schemas.microsoft.com/office/drawing/2014/main" id="{2C01D5DA-3698-2F1F-6DA6-7F42E27D4A09}"/>
+                <a16:creationId xmlns:a16="http://schemas.microsoft.com/office/drawing/2014/main" id="{EF1214B6-5B6F-739F-AC6F-88F689EF29E1}"/>
               </a:ext>
             </a:extLst>
           </p:cNvPr>
@@ -2116,7 +2116,7 @@
           <a:bodyPr/>
           <a:lstStyle/>
           <a:p>
-            <a:fld id="{C49BFF03-9521-461A-952A-77BE69ACB046}" type="slidenum">
+            <a:fld id="{B1FC6178-123C-44BB-BF4E-6F6E8E20D895}" type="slidenum">
               <a:rPr lang="zh-CN" altLang="en-US" smtClean="0"/>
               <a:t>‹#›</a:t>
             </a:fld>
@@ -2127,7 +2127,7 @@
     </p:spTree>
     <p:extLst>
       <p:ext uri="{BB962C8B-B14F-4D97-AF65-F5344CB8AC3E}">
-        <p14:creationId xmlns:p14="http://schemas.microsoft.com/office/powerpoint/2010/main" val="2543261612"/>
+        <p14:creationId xmlns:p14="http://schemas.microsoft.com/office/powerpoint/2010/main" val="3519449722"/>
       </p:ext>
     </p:extLst>
   </p:cSld>
@@ -2159,7 +2159,7 @@
           <p:cNvPr id="2" name="标题 1">
             <a:extLst>
               <a:ext uri="{FF2B5EF4-FFF2-40B4-BE49-F238E27FC236}">
-                <a16:creationId xmlns:a16="http://schemas.microsoft.com/office/drawing/2014/main" id="{F30037DD-5801-B372-449F-1231CEB99392}"/>
+                <a16:creationId xmlns:a16="http://schemas.microsoft.com/office/drawing/2014/main" id="{A9E06353-CF19-DF7F-9FCC-43AE2170E677}"/>
               </a:ext>
             </a:extLst>
           </p:cNvPr>
@@ -2196,7 +2196,7 @@
           <p:cNvPr id="3" name="内容占位符 2">
             <a:extLst>
               <a:ext uri="{FF2B5EF4-FFF2-40B4-BE49-F238E27FC236}">
-                <a16:creationId xmlns:a16="http://schemas.microsoft.com/office/drawing/2014/main" id="{C343A851-5BC6-9BC7-D2AC-7BD0830A2E95}"/>
+                <a16:creationId xmlns:a16="http://schemas.microsoft.com/office/drawing/2014/main" id="{A462CFA5-A9AE-052C-9064-BF6CEA2E7711}"/>
               </a:ext>
             </a:extLst>
           </p:cNvPr>
@@ -2286,7 +2286,7 @@
           <p:cNvPr id="4" name="文本占位符 3">
             <a:extLst>
               <a:ext uri="{FF2B5EF4-FFF2-40B4-BE49-F238E27FC236}">
-                <a16:creationId xmlns:a16="http://schemas.microsoft.com/office/drawing/2014/main" id="{D13B9058-8523-282E-66E9-687E51773066}"/>
+                <a16:creationId xmlns:a16="http://schemas.microsoft.com/office/drawing/2014/main" id="{14FCD74D-3D06-BF13-ADDA-A8FD2965033C}"/>
               </a:ext>
             </a:extLst>
           </p:cNvPr>
@@ -2357,7 +2357,7 @@
           <p:cNvPr id="5" name="日期占位符 4">
             <a:extLst>
               <a:ext uri="{FF2B5EF4-FFF2-40B4-BE49-F238E27FC236}">
-                <a16:creationId xmlns:a16="http://schemas.microsoft.com/office/drawing/2014/main" id="{5FC4F232-340B-66B1-DBB3-FADF920F4332}"/>
+                <a16:creationId xmlns:a16="http://schemas.microsoft.com/office/drawing/2014/main" id="{98CF167C-51B0-830F-5F4C-0B2F851CA46E}"/>
               </a:ext>
             </a:extLst>
           </p:cNvPr>
@@ -2373,7 +2373,7 @@
           <a:bodyPr/>
           <a:lstStyle/>
           <a:p>
-            <a:fld id="{8BCEE071-6E02-4ECE-AEC9-E3B3FC6B0E7B}" type="datetimeFigureOut">
+            <a:fld id="{62F83B73-F15A-4E26-9FB4-A508554014F0}" type="datetimeFigureOut">
               <a:rPr lang="zh-CN" altLang="en-US" smtClean="0"/>
               <a:t>2024/3/10</a:t>
             </a:fld>
@@ -2386,7 +2386,7 @@
           <p:cNvPr id="6" name="页脚占位符 5">
             <a:extLst>
               <a:ext uri="{FF2B5EF4-FFF2-40B4-BE49-F238E27FC236}">
-                <a16:creationId xmlns:a16="http://schemas.microsoft.com/office/drawing/2014/main" id="{629AF53B-FF26-C86D-8E0E-D1D65FC5AE7E}"/>
+                <a16:creationId xmlns:a16="http://schemas.microsoft.com/office/drawing/2014/main" id="{CDB9262F-AA7F-36E9-0562-4FB198C9A04F}"/>
               </a:ext>
             </a:extLst>
           </p:cNvPr>
@@ -2411,7 +2411,7 @@
           <p:cNvPr id="7" name="灯片编号占位符 6">
             <a:extLst>
               <a:ext uri="{FF2B5EF4-FFF2-40B4-BE49-F238E27FC236}">
-                <a16:creationId xmlns:a16="http://schemas.microsoft.com/office/drawing/2014/main" id="{CB6BABCE-5620-481E-8ACB-DA3E8A3F84CA}"/>
+                <a16:creationId xmlns:a16="http://schemas.microsoft.com/office/drawing/2014/main" id="{B6E3C86F-C2B5-25FE-79AF-B6F0B152C4E9}"/>
               </a:ext>
             </a:extLst>
           </p:cNvPr>
@@ -2427,7 +2427,7 @@
           <a:bodyPr/>
           <a:lstStyle/>
           <a:p>
-            <a:fld id="{C49BFF03-9521-461A-952A-77BE69ACB046}" type="slidenum">
+            <a:fld id="{B1FC6178-123C-44BB-BF4E-6F6E8E20D895}" type="slidenum">
               <a:rPr lang="zh-CN" altLang="en-US" smtClean="0"/>
               <a:t>‹#›</a:t>
             </a:fld>
@@ -2438,7 +2438,7 @@
     </p:spTree>
     <p:extLst>
       <p:ext uri="{BB962C8B-B14F-4D97-AF65-F5344CB8AC3E}">
-        <p14:creationId xmlns:p14="http://schemas.microsoft.com/office/powerpoint/2010/main" val="1736182568"/>
+        <p14:creationId xmlns:p14="http://schemas.microsoft.com/office/powerpoint/2010/main" val="3825083255"/>
       </p:ext>
     </p:extLst>
   </p:cSld>
@@ -2470,7 +2470,7 @@
           <p:cNvPr id="2" name="标题 1">
             <a:extLst>
               <a:ext uri="{FF2B5EF4-FFF2-40B4-BE49-F238E27FC236}">
-                <a16:creationId xmlns:a16="http://schemas.microsoft.com/office/drawing/2014/main" id="{CBFC92B7-28C4-39A2-4B3F-1268D47DBB86}"/>
+                <a16:creationId xmlns:a16="http://schemas.microsoft.com/office/drawing/2014/main" id="{E7387F02-D6DC-11B4-03BB-77F06F4E01E8}"/>
               </a:ext>
             </a:extLst>
           </p:cNvPr>
@@ -2507,7 +2507,7 @@
           <p:cNvPr id="3" name="图片占位符 2">
             <a:extLst>
               <a:ext uri="{FF2B5EF4-FFF2-40B4-BE49-F238E27FC236}">
-                <a16:creationId xmlns:a16="http://schemas.microsoft.com/office/drawing/2014/main" id="{871A8364-33A5-327C-D408-8FA0CF028AC9}"/>
+                <a16:creationId xmlns:a16="http://schemas.microsoft.com/office/drawing/2014/main" id="{2101F64B-78D2-363F-E3AC-299F241F19E7}"/>
               </a:ext>
             </a:extLst>
           </p:cNvPr>
@@ -2574,7 +2574,7 @@
           <p:cNvPr id="4" name="文本占位符 3">
             <a:extLst>
               <a:ext uri="{FF2B5EF4-FFF2-40B4-BE49-F238E27FC236}">
-                <a16:creationId xmlns:a16="http://schemas.microsoft.com/office/drawing/2014/main" id="{D3631DA9-39CD-7E71-FA64-6F2FAAA687FF}"/>
+                <a16:creationId xmlns:a16="http://schemas.microsoft.com/office/drawing/2014/main" id="{71586408-1164-7F32-CE99-68390158ED34}"/>
               </a:ext>
             </a:extLst>
           </p:cNvPr>
@@ -2645,7 +2645,7 @@
           <p:cNvPr id="5" name="日期占位符 4">
             <a:extLst>
               <a:ext uri="{FF2B5EF4-FFF2-40B4-BE49-F238E27FC236}">
-                <a16:creationId xmlns:a16="http://schemas.microsoft.com/office/drawing/2014/main" id="{6F6AF60C-AE33-A79F-1E07-17B010728423}"/>
+                <a16:creationId xmlns:a16="http://schemas.microsoft.com/office/drawing/2014/main" id="{49E45406-C96B-C54E-4286-CBCD704AD317}"/>
               </a:ext>
             </a:extLst>
           </p:cNvPr>
@@ -2661,7 +2661,7 @@
           <a:bodyPr/>
           <a:lstStyle/>
           <a:p>
-            <a:fld id="{8BCEE071-6E02-4ECE-AEC9-E3B3FC6B0E7B}" type="datetimeFigureOut">
+            <a:fld id="{62F83B73-F15A-4E26-9FB4-A508554014F0}" type="datetimeFigureOut">
               <a:rPr lang="zh-CN" altLang="en-US" smtClean="0"/>
               <a:t>2024/3/10</a:t>
             </a:fld>
@@ -2674,7 +2674,7 @@
           <p:cNvPr id="6" name="页脚占位符 5">
             <a:extLst>
               <a:ext uri="{FF2B5EF4-FFF2-40B4-BE49-F238E27FC236}">
-                <a16:creationId xmlns:a16="http://schemas.microsoft.com/office/drawing/2014/main" id="{6C330BF5-AA14-A838-B670-F8A47CEB2799}"/>
+                <a16:creationId xmlns:a16="http://schemas.microsoft.com/office/drawing/2014/main" id="{B00B21B1-EE9E-37CF-DBE9-4C7D483DBBC8}"/>
               </a:ext>
             </a:extLst>
           </p:cNvPr>
@@ -2699,7 +2699,7 @@
           <p:cNvPr id="7" name="灯片编号占位符 6">
             <a:extLst>
               <a:ext uri="{FF2B5EF4-FFF2-40B4-BE49-F238E27FC236}">
-                <a16:creationId xmlns:a16="http://schemas.microsoft.com/office/drawing/2014/main" id="{24CAD332-423C-A0CD-FC60-B58DB0987D8E}"/>
+                <a16:creationId xmlns:a16="http://schemas.microsoft.com/office/drawing/2014/main" id="{6B7354A7-F46F-7AE0-E3BF-2D1633380DB5}"/>
               </a:ext>
             </a:extLst>
           </p:cNvPr>
@@ -2715,7 +2715,7 @@
           <a:bodyPr/>
           <a:lstStyle/>
           <a:p>
-            <a:fld id="{C49BFF03-9521-461A-952A-77BE69ACB046}" type="slidenum">
+            <a:fld id="{B1FC6178-123C-44BB-BF4E-6F6E8E20D895}" type="slidenum">
               <a:rPr lang="zh-CN" altLang="en-US" smtClean="0"/>
               <a:t>‹#›</a:t>
             </a:fld>
@@ -2726,7 +2726,7 @@
     </p:spTree>
     <p:extLst>
       <p:ext uri="{BB962C8B-B14F-4D97-AF65-F5344CB8AC3E}">
-        <p14:creationId xmlns:p14="http://schemas.microsoft.com/office/powerpoint/2010/main" val="3027221518"/>
+        <p14:creationId xmlns:p14="http://schemas.microsoft.com/office/powerpoint/2010/main" val="1969559552"/>
       </p:ext>
     </p:extLst>
   </p:cSld>
@@ -2763,7 +2763,7 @@
           <p:cNvPr id="2" name="标题占位符 1">
             <a:extLst>
               <a:ext uri="{FF2B5EF4-FFF2-40B4-BE49-F238E27FC236}">
-                <a16:creationId xmlns:a16="http://schemas.microsoft.com/office/drawing/2014/main" id="{1B0ED8DB-0BF0-EEA2-C2DF-E6EDE94AE64D}"/>
+                <a16:creationId xmlns:a16="http://schemas.microsoft.com/office/drawing/2014/main" id="{F3CBD5A0-CB46-FDC0-B034-74BDEA1912A3}"/>
               </a:ext>
             </a:extLst>
           </p:cNvPr>
@@ -2801,7 +2801,7 @@
           <p:cNvPr id="3" name="文本占位符 2">
             <a:extLst>
               <a:ext uri="{FF2B5EF4-FFF2-40B4-BE49-F238E27FC236}">
-                <a16:creationId xmlns:a16="http://schemas.microsoft.com/office/drawing/2014/main" id="{3E19DDD6-BC98-3145-8308-73855D97AE2E}"/>
+                <a16:creationId xmlns:a16="http://schemas.microsoft.com/office/drawing/2014/main" id="{15128112-5B27-E313-F88E-0519006686BF}"/>
               </a:ext>
             </a:extLst>
           </p:cNvPr>
@@ -2868,7 +2868,7 @@
           <p:cNvPr id="4" name="日期占位符 3">
             <a:extLst>
               <a:ext uri="{FF2B5EF4-FFF2-40B4-BE49-F238E27FC236}">
-                <a16:creationId xmlns:a16="http://schemas.microsoft.com/office/drawing/2014/main" id="{33C39A6A-6AF1-E0DD-5C52-867D5CFEA4F5}"/>
+                <a16:creationId xmlns:a16="http://schemas.microsoft.com/office/drawing/2014/main" id="{18A8C316-4A3C-24ED-48BA-7F4B1BA6F974}"/>
               </a:ext>
             </a:extLst>
           </p:cNvPr>
@@ -2902,7 +2902,7 @@
             </a:lvl1pPr>
           </a:lstStyle>
           <a:p>
-            <a:fld id="{8BCEE071-6E02-4ECE-AEC9-E3B3FC6B0E7B}" type="datetimeFigureOut">
+            <a:fld id="{62F83B73-F15A-4E26-9FB4-A508554014F0}" type="datetimeFigureOut">
               <a:rPr lang="zh-CN" altLang="en-US" smtClean="0"/>
               <a:t>2024/3/10</a:t>
             </a:fld>
@@ -2915,7 +2915,7 @@
           <p:cNvPr id="5" name="页脚占位符 4">
             <a:extLst>
               <a:ext uri="{FF2B5EF4-FFF2-40B4-BE49-F238E27FC236}">
-                <a16:creationId xmlns:a16="http://schemas.microsoft.com/office/drawing/2014/main" id="{329222A8-7B3E-B9A5-A9C5-C2C26DC67293}"/>
+                <a16:creationId xmlns:a16="http://schemas.microsoft.com/office/drawing/2014/main" id="{F4818967-D2DF-A639-D4FB-973E8B40B2D2}"/>
               </a:ext>
             </a:extLst>
           </p:cNvPr>
@@ -2958,7 +2958,7 @@
           <p:cNvPr id="6" name="灯片编号占位符 5">
             <a:extLst>
               <a:ext uri="{FF2B5EF4-FFF2-40B4-BE49-F238E27FC236}">
-                <a16:creationId xmlns:a16="http://schemas.microsoft.com/office/drawing/2014/main" id="{5B5F3F4B-7096-38FC-C5D2-FA444A5F83E2}"/>
+                <a16:creationId xmlns:a16="http://schemas.microsoft.com/office/drawing/2014/main" id="{76A6F1CA-36A5-3720-AD6A-BCF1B5D1D78F}"/>
               </a:ext>
             </a:extLst>
           </p:cNvPr>
@@ -2992,7 +2992,7 @@
             </a:lvl1pPr>
           </a:lstStyle>
           <a:p>
-            <a:fld id="{C49BFF03-9521-461A-952A-77BE69ACB046}" type="slidenum">
+            <a:fld id="{B1FC6178-123C-44BB-BF4E-6F6E8E20D895}" type="slidenum">
               <a:rPr lang="zh-CN" altLang="en-US" smtClean="0"/>
               <a:t>‹#›</a:t>
             </a:fld>
@@ -3003,7 +3003,7 @@
     </p:spTree>
     <p:extLst>
       <p:ext uri="{BB962C8B-B14F-4D97-AF65-F5344CB8AC3E}">
-        <p14:creationId xmlns:p14="http://schemas.microsoft.com/office/powerpoint/2010/main" val="820337179"/>
+        <p14:creationId xmlns:p14="http://schemas.microsoft.com/office/powerpoint/2010/main" val="2293074085"/>
       </p:ext>
     </p:extLst>
   </p:cSld>
